--- a/기계공학실험_02.pptx
+++ b/기계공학실험_02.pptx
@@ -144,6 +144,10 @@
     </p:ext>
   </p:extLst>
 </p:presentation>
+</file>
+
+<file path=ppt/revisionInfo.xml><?xml version="1.0" encoding="utf-8"?>
+<p1510:revInfo xmlns:a="http://schemas.openxmlformats.org/drawingml/2006/main" xmlns:r="http://schemas.openxmlformats.org/officeDocument/2006/relationships" xmlns:p1510="http://schemas.microsoft.com/office/powerpoint/2015/10/main"/>
 </file>
 
 <file path=ppt/diagrams/colors1.xml><?xml version="1.0" encoding="utf-8"?>
@@ -1618,14 +1622,6 @@
         </dgm:presLayoutVars>
       </dgm:prSet>
       <dgm:spPr/>
-      <dgm:t>
-        <a:bodyPr/>
-        <a:lstStyle/>
-        <a:p>
-          <a:pPr latinLnBrk="1"/>
-          <a:endParaRPr lang="ko-KR" altLang="en-US"/>
-        </a:p>
-      </dgm:t>
     </dgm:pt>
     <dgm:pt modelId="{6E970E10-797F-467C-8425-D8DC6218389E}" type="pres">
       <dgm:prSet presAssocID="{EE60D7D2-DA17-45D7-95DE-1478FBF94203}" presName="root1" presStyleCnt="0"/>
@@ -1638,14 +1634,6 @@
         </dgm:presLayoutVars>
       </dgm:prSet>
       <dgm:spPr/>
-      <dgm:t>
-        <a:bodyPr/>
-        <a:lstStyle/>
-        <a:p>
-          <a:pPr latinLnBrk="1"/>
-          <a:endParaRPr lang="ko-KR" altLang="en-US"/>
-        </a:p>
-      </dgm:t>
     </dgm:pt>
     <dgm:pt modelId="{6BC976A2-4780-417E-87D3-A3B99F88FEB4}" type="pres">
       <dgm:prSet presAssocID="{EE60D7D2-DA17-45D7-95DE-1478FBF94203}" presName="level2hierChild" presStyleCnt="0"/>
@@ -1654,26 +1642,10 @@
     <dgm:pt modelId="{6BCC8103-E0DC-4910-8427-AD36B590AC4F}" type="pres">
       <dgm:prSet presAssocID="{B9B42B06-1FAC-46D7-AACE-24ADE352D207}" presName="conn2-1" presStyleLbl="parChTrans1D2" presStyleIdx="0" presStyleCnt="2"/>
       <dgm:spPr/>
-      <dgm:t>
-        <a:bodyPr/>
-        <a:lstStyle/>
-        <a:p>
-          <a:pPr latinLnBrk="1"/>
-          <a:endParaRPr lang="ko-KR" altLang="en-US"/>
-        </a:p>
-      </dgm:t>
     </dgm:pt>
     <dgm:pt modelId="{9A3CE23C-876C-4FB0-9B85-C150CD933429}" type="pres">
       <dgm:prSet presAssocID="{B9B42B06-1FAC-46D7-AACE-24ADE352D207}" presName="connTx" presStyleLbl="parChTrans1D2" presStyleIdx="0" presStyleCnt="2"/>
       <dgm:spPr/>
-      <dgm:t>
-        <a:bodyPr/>
-        <a:lstStyle/>
-        <a:p>
-          <a:pPr latinLnBrk="1"/>
-          <a:endParaRPr lang="ko-KR" altLang="en-US"/>
-        </a:p>
-      </dgm:t>
     </dgm:pt>
     <dgm:pt modelId="{5F74DCB5-D20F-4E7B-9F18-04AB429E1A23}" type="pres">
       <dgm:prSet presAssocID="{AB7B6271-C1C1-4DA5-BE99-50A7B3DC80B9}" presName="root2" presStyleCnt="0"/>
@@ -1686,14 +1658,6 @@
         </dgm:presLayoutVars>
       </dgm:prSet>
       <dgm:spPr/>
-      <dgm:t>
-        <a:bodyPr/>
-        <a:lstStyle/>
-        <a:p>
-          <a:pPr latinLnBrk="1"/>
-          <a:endParaRPr lang="ko-KR" altLang="en-US"/>
-        </a:p>
-      </dgm:t>
     </dgm:pt>
     <dgm:pt modelId="{500004A4-1CA1-4522-AB6A-9B0C4992993F}" type="pres">
       <dgm:prSet presAssocID="{AB7B6271-C1C1-4DA5-BE99-50A7B3DC80B9}" presName="level3hierChild" presStyleCnt="0"/>
@@ -1702,26 +1666,10 @@
     <dgm:pt modelId="{E0711CCB-3CE4-4B7B-8CA3-96AA7368AB7D}" type="pres">
       <dgm:prSet presAssocID="{414196C7-BA8F-4C82-9E97-97E5C5B1D95C}" presName="conn2-1" presStyleLbl="parChTrans1D3" presStyleIdx="0" presStyleCnt="3"/>
       <dgm:spPr/>
-      <dgm:t>
-        <a:bodyPr/>
-        <a:lstStyle/>
-        <a:p>
-          <a:pPr latinLnBrk="1"/>
-          <a:endParaRPr lang="ko-KR" altLang="en-US"/>
-        </a:p>
-      </dgm:t>
     </dgm:pt>
     <dgm:pt modelId="{38B094F5-A8D9-46D5-BAF6-8286E37017E9}" type="pres">
       <dgm:prSet presAssocID="{414196C7-BA8F-4C82-9E97-97E5C5B1D95C}" presName="connTx" presStyleLbl="parChTrans1D3" presStyleIdx="0" presStyleCnt="3"/>
       <dgm:spPr/>
-      <dgm:t>
-        <a:bodyPr/>
-        <a:lstStyle/>
-        <a:p>
-          <a:pPr latinLnBrk="1"/>
-          <a:endParaRPr lang="ko-KR" altLang="en-US"/>
-        </a:p>
-      </dgm:t>
     </dgm:pt>
     <dgm:pt modelId="{CDC42D32-4886-4A0C-9AFC-1E29C70B2D50}" type="pres">
       <dgm:prSet presAssocID="{62134ED3-2B92-4838-8C0D-1E1F263F245B}" presName="root2" presStyleCnt="0"/>
@@ -1734,14 +1682,6 @@
         </dgm:presLayoutVars>
       </dgm:prSet>
       <dgm:spPr/>
-      <dgm:t>
-        <a:bodyPr/>
-        <a:lstStyle/>
-        <a:p>
-          <a:pPr latinLnBrk="1"/>
-          <a:endParaRPr lang="ko-KR" altLang="en-US"/>
-        </a:p>
-      </dgm:t>
     </dgm:pt>
     <dgm:pt modelId="{9C06CE1B-CCED-48FD-BD0B-630863610683}" type="pres">
       <dgm:prSet presAssocID="{62134ED3-2B92-4838-8C0D-1E1F263F245B}" presName="level3hierChild" presStyleCnt="0"/>
@@ -1750,26 +1690,10 @@
     <dgm:pt modelId="{6FF075D8-7AD5-48D5-B17D-6DB635156788}" type="pres">
       <dgm:prSet presAssocID="{9FB3BEDE-05D8-4CA0-9193-8C125D8DDEEF}" presName="conn2-1" presStyleLbl="parChTrans1D3" presStyleIdx="1" presStyleCnt="3"/>
       <dgm:spPr/>
-      <dgm:t>
-        <a:bodyPr/>
-        <a:lstStyle/>
-        <a:p>
-          <a:pPr latinLnBrk="1"/>
-          <a:endParaRPr lang="ko-KR" altLang="en-US"/>
-        </a:p>
-      </dgm:t>
     </dgm:pt>
     <dgm:pt modelId="{EC5466BA-66B1-4BD5-8371-57371ABCA575}" type="pres">
       <dgm:prSet presAssocID="{9FB3BEDE-05D8-4CA0-9193-8C125D8DDEEF}" presName="connTx" presStyleLbl="parChTrans1D3" presStyleIdx="1" presStyleCnt="3"/>
       <dgm:spPr/>
-      <dgm:t>
-        <a:bodyPr/>
-        <a:lstStyle/>
-        <a:p>
-          <a:pPr latinLnBrk="1"/>
-          <a:endParaRPr lang="ko-KR" altLang="en-US"/>
-        </a:p>
-      </dgm:t>
     </dgm:pt>
     <dgm:pt modelId="{F296356F-3A78-470E-A4E0-1A3EA57597A9}" type="pres">
       <dgm:prSet presAssocID="{0B177D3A-E9CF-4CF0-B758-07A7766C11B5}" presName="root2" presStyleCnt="0"/>
@@ -1782,14 +1706,6 @@
         </dgm:presLayoutVars>
       </dgm:prSet>
       <dgm:spPr/>
-      <dgm:t>
-        <a:bodyPr/>
-        <a:lstStyle/>
-        <a:p>
-          <a:pPr latinLnBrk="1"/>
-          <a:endParaRPr lang="ko-KR" altLang="en-US"/>
-        </a:p>
-      </dgm:t>
     </dgm:pt>
     <dgm:pt modelId="{265138BE-56C1-4203-AD26-4C669C2820BC}" type="pres">
       <dgm:prSet presAssocID="{0B177D3A-E9CF-4CF0-B758-07A7766C11B5}" presName="level3hierChild" presStyleCnt="0"/>
@@ -1798,26 +1714,10 @@
     <dgm:pt modelId="{C12023A3-51EC-4C02-B23D-DCFA05D9CF9E}" type="pres">
       <dgm:prSet presAssocID="{9B7862AD-2F3A-4FE7-AF7E-23968F79B85E}" presName="conn2-1" presStyleLbl="parChTrans1D2" presStyleIdx="1" presStyleCnt="2"/>
       <dgm:spPr/>
-      <dgm:t>
-        <a:bodyPr/>
-        <a:lstStyle/>
-        <a:p>
-          <a:pPr latinLnBrk="1"/>
-          <a:endParaRPr lang="ko-KR" altLang="en-US"/>
-        </a:p>
-      </dgm:t>
     </dgm:pt>
     <dgm:pt modelId="{60088DC6-B5A4-45E0-83EC-9BBD2CE06CD4}" type="pres">
       <dgm:prSet presAssocID="{9B7862AD-2F3A-4FE7-AF7E-23968F79B85E}" presName="connTx" presStyleLbl="parChTrans1D2" presStyleIdx="1" presStyleCnt="2"/>
       <dgm:spPr/>
-      <dgm:t>
-        <a:bodyPr/>
-        <a:lstStyle/>
-        <a:p>
-          <a:pPr latinLnBrk="1"/>
-          <a:endParaRPr lang="ko-KR" altLang="en-US"/>
-        </a:p>
-      </dgm:t>
     </dgm:pt>
     <dgm:pt modelId="{61331863-4D6E-465B-B3A5-561467528030}" type="pres">
       <dgm:prSet presAssocID="{0FC90E08-172A-4ECF-AB07-5DCA68A6596D}" presName="root2" presStyleCnt="0"/>
@@ -1830,14 +1730,6 @@
         </dgm:presLayoutVars>
       </dgm:prSet>
       <dgm:spPr/>
-      <dgm:t>
-        <a:bodyPr/>
-        <a:lstStyle/>
-        <a:p>
-          <a:pPr latinLnBrk="1"/>
-          <a:endParaRPr lang="ko-KR" altLang="en-US"/>
-        </a:p>
-      </dgm:t>
     </dgm:pt>
     <dgm:pt modelId="{0263D66B-017C-4502-ADDF-2656ED8B5938}" type="pres">
       <dgm:prSet presAssocID="{0FC90E08-172A-4ECF-AB07-5DCA68A6596D}" presName="level3hierChild" presStyleCnt="0"/>
@@ -1846,26 +1738,10 @@
     <dgm:pt modelId="{9830AD42-8F2E-4205-B644-D7142268DCC3}" type="pres">
       <dgm:prSet presAssocID="{3E1031D2-FE52-4E00-A0E2-09615D59CF11}" presName="conn2-1" presStyleLbl="parChTrans1D3" presStyleIdx="2" presStyleCnt="3"/>
       <dgm:spPr/>
-      <dgm:t>
-        <a:bodyPr/>
-        <a:lstStyle/>
-        <a:p>
-          <a:pPr latinLnBrk="1"/>
-          <a:endParaRPr lang="ko-KR" altLang="en-US"/>
-        </a:p>
-      </dgm:t>
     </dgm:pt>
     <dgm:pt modelId="{9C5C6D15-E436-49B3-9CA1-A72B8A78DBCC}" type="pres">
       <dgm:prSet presAssocID="{3E1031D2-FE52-4E00-A0E2-09615D59CF11}" presName="connTx" presStyleLbl="parChTrans1D3" presStyleIdx="2" presStyleCnt="3"/>
       <dgm:spPr/>
-      <dgm:t>
-        <a:bodyPr/>
-        <a:lstStyle/>
-        <a:p>
-          <a:pPr latinLnBrk="1"/>
-          <a:endParaRPr lang="ko-KR" altLang="en-US"/>
-        </a:p>
-      </dgm:t>
     </dgm:pt>
     <dgm:pt modelId="{DDC70132-4136-4D47-BFFF-56D243FAFF03}" type="pres">
       <dgm:prSet presAssocID="{6DC2EC02-F733-4B75-8A07-DB1A78814AFC}" presName="root2" presStyleCnt="0"/>
@@ -1878,14 +1754,6 @@
         </dgm:presLayoutVars>
       </dgm:prSet>
       <dgm:spPr/>
-      <dgm:t>
-        <a:bodyPr/>
-        <a:lstStyle/>
-        <a:p>
-          <a:pPr latinLnBrk="1"/>
-          <a:endParaRPr lang="ko-KR" altLang="en-US"/>
-        </a:p>
-      </dgm:t>
     </dgm:pt>
     <dgm:pt modelId="{0219AB95-931B-42DE-B54E-DF4E2461FC1C}" type="pres">
       <dgm:prSet presAssocID="{6DC2EC02-F733-4B75-8A07-DB1A78814AFC}" presName="level3hierChild" presStyleCnt="0"/>
@@ -1893,29 +1761,29 @@
     </dgm:pt>
   </dgm:ptLst>
   <dgm:cxnLst>
+    <dgm:cxn modelId="{6D08FE02-A55F-4C7D-A6F7-10CF44DCA239}" type="presOf" srcId="{AB7B6271-C1C1-4DA5-BE99-50A7B3DC80B9}" destId="{ADB63DB6-FC2C-44A5-B108-D0DE6826EFD5}" srcOrd="0" destOrd="0" presId="urn:microsoft.com/office/officeart/2005/8/layout/hierarchy2"/>
+    <dgm:cxn modelId="{EF14B505-E51A-4052-BB31-0307B0635085}" srcId="{0FC90E08-172A-4ECF-AB07-5DCA68A6596D}" destId="{6DC2EC02-F733-4B75-8A07-DB1A78814AFC}" srcOrd="0" destOrd="0" parTransId="{3E1031D2-FE52-4E00-A0E2-09615D59CF11}" sibTransId="{E84B5BF5-1D1E-4438-92B0-6A24FDA505F9}"/>
+    <dgm:cxn modelId="{F4540718-C89E-4EF7-9B28-0F4A5D0A404B}" type="presOf" srcId="{0FC90E08-172A-4ECF-AB07-5DCA68A6596D}" destId="{C9FE02C4-9B17-4400-A056-A1B717E4DBA8}" srcOrd="0" destOrd="0" presId="urn:microsoft.com/office/officeart/2005/8/layout/hierarchy2"/>
+    <dgm:cxn modelId="{5CFBE722-C744-4D5B-84F8-CA2EF85660F1}" srcId="{89C215BC-CEAB-49B7-8F24-A40A41FFEB4B}" destId="{EE60D7D2-DA17-45D7-95DE-1478FBF94203}" srcOrd="0" destOrd="0" parTransId="{8A14AC76-3A07-4CC7-AAC4-76512AB5D603}" sibTransId="{809C9DC4-C1C3-43B5-B70D-03582031ABF7}"/>
+    <dgm:cxn modelId="{646E9423-8DE2-40DD-B1CC-79E3240858C4}" type="presOf" srcId="{9B7862AD-2F3A-4FE7-AF7E-23968F79B85E}" destId="{60088DC6-B5A4-45E0-83EC-9BBD2CE06CD4}" srcOrd="1" destOrd="0" presId="urn:microsoft.com/office/officeart/2005/8/layout/hierarchy2"/>
+    <dgm:cxn modelId="{11177532-8464-4D54-B5A0-B3B5655689AC}" type="presOf" srcId="{B9B42B06-1FAC-46D7-AACE-24ADE352D207}" destId="{9A3CE23C-876C-4FB0-9B85-C150CD933429}" srcOrd="1" destOrd="0" presId="urn:microsoft.com/office/officeart/2005/8/layout/hierarchy2"/>
+    <dgm:cxn modelId="{3CD3AE42-D8DB-4430-91A2-8AAC836A265B}" type="presOf" srcId="{3E1031D2-FE52-4E00-A0E2-09615D59CF11}" destId="{9830AD42-8F2E-4205-B644-D7142268DCC3}" srcOrd="0" destOrd="0" presId="urn:microsoft.com/office/officeart/2005/8/layout/hierarchy2"/>
+    <dgm:cxn modelId="{9A5D0769-80E5-470C-9E07-AC0EAF656FA2}" srcId="{EE60D7D2-DA17-45D7-95DE-1478FBF94203}" destId="{AB7B6271-C1C1-4DA5-BE99-50A7B3DC80B9}" srcOrd="0" destOrd="0" parTransId="{B9B42B06-1FAC-46D7-AACE-24ADE352D207}" sibTransId="{3FB58D9B-3838-448B-895D-C5695279171E}"/>
+    <dgm:cxn modelId="{15692183-AFE7-4008-A82C-1CF2BB96B4F1}" srcId="{AB7B6271-C1C1-4DA5-BE99-50A7B3DC80B9}" destId="{0B177D3A-E9CF-4CF0-B758-07A7766C11B5}" srcOrd="1" destOrd="0" parTransId="{9FB3BEDE-05D8-4CA0-9193-8C125D8DDEEF}" sibTransId="{EF36D559-98B6-44B9-97E2-7B1C91BFB58A}"/>
+    <dgm:cxn modelId="{847A00A7-97FA-4EEE-9AAB-6CAEDACECA12}" type="presOf" srcId="{EE60D7D2-DA17-45D7-95DE-1478FBF94203}" destId="{DD616A23-F4BB-47B0-87F0-50A49BEED2C4}" srcOrd="0" destOrd="0" presId="urn:microsoft.com/office/officeart/2005/8/layout/hierarchy2"/>
+    <dgm:cxn modelId="{EB6F19B2-EF9E-41A5-806F-D6657F90A0CD}" type="presOf" srcId="{6DC2EC02-F733-4B75-8A07-DB1A78814AFC}" destId="{70497E00-2C58-4014-97B6-390756A16ABD}" srcOrd="0" destOrd="0" presId="urn:microsoft.com/office/officeart/2005/8/layout/hierarchy2"/>
+    <dgm:cxn modelId="{4D71F8B6-E55F-4523-B14C-A327E7BCA7C7}" type="presOf" srcId="{62134ED3-2B92-4838-8C0D-1E1F263F245B}" destId="{B6C5CE24-F775-44EA-BE20-D88CDA678A82}" srcOrd="0" destOrd="0" presId="urn:microsoft.com/office/officeart/2005/8/layout/hierarchy2"/>
+    <dgm:cxn modelId="{1B83DEB7-0889-4A63-8388-1E3154CCD946}" type="presOf" srcId="{0B177D3A-E9CF-4CF0-B758-07A7766C11B5}" destId="{1779D772-13FA-4BE9-825D-CA42B7482B08}" srcOrd="0" destOrd="0" presId="urn:microsoft.com/office/officeart/2005/8/layout/hierarchy2"/>
+    <dgm:cxn modelId="{8BEF26CD-49A7-45AF-B58F-2F20B631FFA9}" srcId="{AB7B6271-C1C1-4DA5-BE99-50A7B3DC80B9}" destId="{62134ED3-2B92-4838-8C0D-1E1F263F245B}" srcOrd="0" destOrd="0" parTransId="{414196C7-BA8F-4C82-9E97-97E5C5B1D95C}" sibTransId="{B7492F56-ABC7-424C-A26C-0690901E808F}"/>
+    <dgm:cxn modelId="{EE83CED1-08E9-46F9-A44A-620EB507455C}" type="presOf" srcId="{414196C7-BA8F-4C82-9E97-97E5C5B1D95C}" destId="{E0711CCB-3CE4-4B7B-8CA3-96AA7368AB7D}" srcOrd="0" destOrd="0" presId="urn:microsoft.com/office/officeart/2005/8/layout/hierarchy2"/>
     <dgm:cxn modelId="{36A2DAD7-D04B-4A09-9CC4-52A18AC3F92A}" srcId="{EE60D7D2-DA17-45D7-95DE-1478FBF94203}" destId="{0FC90E08-172A-4ECF-AB07-5DCA68A6596D}" srcOrd="1" destOrd="0" parTransId="{9B7862AD-2F3A-4FE7-AF7E-23968F79B85E}" sibTransId="{37DAC83B-87C2-416C-8B32-E0709D26B8EA}"/>
-    <dgm:cxn modelId="{5CFBE722-C744-4D5B-84F8-CA2EF85660F1}" srcId="{89C215BC-CEAB-49B7-8F24-A40A41FFEB4B}" destId="{EE60D7D2-DA17-45D7-95DE-1478FBF94203}" srcOrd="0" destOrd="0" parTransId="{8A14AC76-3A07-4CC7-AAC4-76512AB5D603}" sibTransId="{809C9DC4-C1C3-43B5-B70D-03582031ABF7}"/>
-    <dgm:cxn modelId="{3CD3AE42-D8DB-4430-91A2-8AAC836A265B}" type="presOf" srcId="{3E1031D2-FE52-4E00-A0E2-09615D59CF11}" destId="{9830AD42-8F2E-4205-B644-D7142268DCC3}" srcOrd="0" destOrd="0" presId="urn:microsoft.com/office/officeart/2005/8/layout/hierarchy2"/>
-    <dgm:cxn modelId="{6D08FE02-A55F-4C7D-A6F7-10CF44DCA239}" type="presOf" srcId="{AB7B6271-C1C1-4DA5-BE99-50A7B3DC80B9}" destId="{ADB63DB6-FC2C-44A5-B108-D0DE6826EFD5}" srcOrd="0" destOrd="0" presId="urn:microsoft.com/office/officeart/2005/8/layout/hierarchy2"/>
     <dgm:cxn modelId="{5C58C3E9-0BC6-409F-AF1C-E13172652019}" type="presOf" srcId="{89C215BC-CEAB-49B7-8F24-A40A41FFEB4B}" destId="{72E30172-9BCF-47B3-AAF8-905248B66111}" srcOrd="0" destOrd="0" presId="urn:microsoft.com/office/officeart/2005/8/layout/hierarchy2"/>
-    <dgm:cxn modelId="{EB6F19B2-EF9E-41A5-806F-D6657F90A0CD}" type="presOf" srcId="{6DC2EC02-F733-4B75-8A07-DB1A78814AFC}" destId="{70497E00-2C58-4014-97B6-390756A16ABD}" srcOrd="0" destOrd="0" presId="urn:microsoft.com/office/officeart/2005/8/layout/hierarchy2"/>
+    <dgm:cxn modelId="{1A3568EC-DF11-4489-8B23-236AD0C32B6D}" type="presOf" srcId="{9B7862AD-2F3A-4FE7-AF7E-23968F79B85E}" destId="{C12023A3-51EC-4C02-B23D-DCFA05D9CF9E}" srcOrd="0" destOrd="0" presId="urn:microsoft.com/office/officeart/2005/8/layout/hierarchy2"/>
+    <dgm:cxn modelId="{D63339F1-9768-4B0E-9FDB-2BBE7E5C0E8A}" type="presOf" srcId="{B9B42B06-1FAC-46D7-AACE-24ADE352D207}" destId="{6BCC8103-E0DC-4910-8427-AD36B590AC4F}" srcOrd="0" destOrd="0" presId="urn:microsoft.com/office/officeart/2005/8/layout/hierarchy2"/>
+    <dgm:cxn modelId="{01F705F3-DD12-4C15-AD94-FF6BAC520F87}" type="presOf" srcId="{9FB3BEDE-05D8-4CA0-9193-8C125D8DDEEF}" destId="{EC5466BA-66B1-4BD5-8371-57371ABCA575}" srcOrd="1" destOrd="0" presId="urn:microsoft.com/office/officeart/2005/8/layout/hierarchy2"/>
+    <dgm:cxn modelId="{685EFAF6-24E6-43BE-953E-2790B9B943F1}" type="presOf" srcId="{3E1031D2-FE52-4E00-A0E2-09615D59CF11}" destId="{9C5C6D15-E436-49B3-9CA1-A72B8A78DBCC}" srcOrd="1" destOrd="0" presId="urn:microsoft.com/office/officeart/2005/8/layout/hierarchy2"/>
+    <dgm:cxn modelId="{B8D784FE-CEA8-4E64-BD50-3DB4484EF741}" type="presOf" srcId="{9FB3BEDE-05D8-4CA0-9193-8C125D8DDEEF}" destId="{6FF075D8-7AD5-48D5-B17D-6DB635156788}" srcOrd="0" destOrd="0" presId="urn:microsoft.com/office/officeart/2005/8/layout/hierarchy2"/>
     <dgm:cxn modelId="{7BA3D4FE-8905-458D-A1B8-F74DF94F73D5}" type="presOf" srcId="{414196C7-BA8F-4C82-9E97-97E5C5B1D95C}" destId="{38B094F5-A8D9-46D5-BAF6-8286E37017E9}" srcOrd="1" destOrd="0" presId="urn:microsoft.com/office/officeart/2005/8/layout/hierarchy2"/>
-    <dgm:cxn modelId="{847A00A7-97FA-4EEE-9AAB-6CAEDACECA12}" type="presOf" srcId="{EE60D7D2-DA17-45D7-95DE-1478FBF94203}" destId="{DD616A23-F4BB-47B0-87F0-50A49BEED2C4}" srcOrd="0" destOrd="0" presId="urn:microsoft.com/office/officeart/2005/8/layout/hierarchy2"/>
-    <dgm:cxn modelId="{15692183-AFE7-4008-A82C-1CF2BB96B4F1}" srcId="{AB7B6271-C1C1-4DA5-BE99-50A7B3DC80B9}" destId="{0B177D3A-E9CF-4CF0-B758-07A7766C11B5}" srcOrd="1" destOrd="0" parTransId="{9FB3BEDE-05D8-4CA0-9193-8C125D8DDEEF}" sibTransId="{EF36D559-98B6-44B9-97E2-7B1C91BFB58A}"/>
-    <dgm:cxn modelId="{11177532-8464-4D54-B5A0-B3B5655689AC}" type="presOf" srcId="{B9B42B06-1FAC-46D7-AACE-24ADE352D207}" destId="{9A3CE23C-876C-4FB0-9B85-C150CD933429}" srcOrd="1" destOrd="0" presId="urn:microsoft.com/office/officeart/2005/8/layout/hierarchy2"/>
-    <dgm:cxn modelId="{4D71F8B6-E55F-4523-B14C-A327E7BCA7C7}" type="presOf" srcId="{62134ED3-2B92-4838-8C0D-1E1F263F245B}" destId="{B6C5CE24-F775-44EA-BE20-D88CDA678A82}" srcOrd="0" destOrd="0" presId="urn:microsoft.com/office/officeart/2005/8/layout/hierarchy2"/>
-    <dgm:cxn modelId="{9A5D0769-80E5-470C-9E07-AC0EAF656FA2}" srcId="{EE60D7D2-DA17-45D7-95DE-1478FBF94203}" destId="{AB7B6271-C1C1-4DA5-BE99-50A7B3DC80B9}" srcOrd="0" destOrd="0" parTransId="{B9B42B06-1FAC-46D7-AACE-24ADE352D207}" sibTransId="{3FB58D9B-3838-448B-895D-C5695279171E}"/>
-    <dgm:cxn modelId="{F4540718-C89E-4EF7-9B28-0F4A5D0A404B}" type="presOf" srcId="{0FC90E08-172A-4ECF-AB07-5DCA68A6596D}" destId="{C9FE02C4-9B17-4400-A056-A1B717E4DBA8}" srcOrd="0" destOrd="0" presId="urn:microsoft.com/office/officeart/2005/8/layout/hierarchy2"/>
-    <dgm:cxn modelId="{646E9423-8DE2-40DD-B1CC-79E3240858C4}" type="presOf" srcId="{9B7862AD-2F3A-4FE7-AF7E-23968F79B85E}" destId="{60088DC6-B5A4-45E0-83EC-9BBD2CE06CD4}" srcOrd="1" destOrd="0" presId="urn:microsoft.com/office/officeart/2005/8/layout/hierarchy2"/>
-    <dgm:cxn modelId="{8BEF26CD-49A7-45AF-B58F-2F20B631FFA9}" srcId="{AB7B6271-C1C1-4DA5-BE99-50A7B3DC80B9}" destId="{62134ED3-2B92-4838-8C0D-1E1F263F245B}" srcOrd="0" destOrd="0" parTransId="{414196C7-BA8F-4C82-9E97-97E5C5B1D95C}" sibTransId="{B7492F56-ABC7-424C-A26C-0690901E808F}"/>
-    <dgm:cxn modelId="{1B83DEB7-0889-4A63-8388-1E3154CCD946}" type="presOf" srcId="{0B177D3A-E9CF-4CF0-B758-07A7766C11B5}" destId="{1779D772-13FA-4BE9-825D-CA42B7482B08}" srcOrd="0" destOrd="0" presId="urn:microsoft.com/office/officeart/2005/8/layout/hierarchy2"/>
-    <dgm:cxn modelId="{EE83CED1-08E9-46F9-A44A-620EB507455C}" type="presOf" srcId="{414196C7-BA8F-4C82-9E97-97E5C5B1D95C}" destId="{E0711CCB-3CE4-4B7B-8CA3-96AA7368AB7D}" srcOrd="0" destOrd="0" presId="urn:microsoft.com/office/officeart/2005/8/layout/hierarchy2"/>
-    <dgm:cxn modelId="{01F705F3-DD12-4C15-AD94-FF6BAC520F87}" type="presOf" srcId="{9FB3BEDE-05D8-4CA0-9193-8C125D8DDEEF}" destId="{EC5466BA-66B1-4BD5-8371-57371ABCA575}" srcOrd="1" destOrd="0" presId="urn:microsoft.com/office/officeart/2005/8/layout/hierarchy2"/>
-    <dgm:cxn modelId="{EF14B505-E51A-4052-BB31-0307B0635085}" srcId="{0FC90E08-172A-4ECF-AB07-5DCA68A6596D}" destId="{6DC2EC02-F733-4B75-8A07-DB1A78814AFC}" srcOrd="0" destOrd="0" parTransId="{3E1031D2-FE52-4E00-A0E2-09615D59CF11}" sibTransId="{E84B5BF5-1D1E-4438-92B0-6A24FDA505F9}"/>
-    <dgm:cxn modelId="{1A3568EC-DF11-4489-8B23-236AD0C32B6D}" type="presOf" srcId="{9B7862AD-2F3A-4FE7-AF7E-23968F79B85E}" destId="{C12023A3-51EC-4C02-B23D-DCFA05D9CF9E}" srcOrd="0" destOrd="0" presId="urn:microsoft.com/office/officeart/2005/8/layout/hierarchy2"/>
-    <dgm:cxn modelId="{685EFAF6-24E6-43BE-953E-2790B9B943F1}" type="presOf" srcId="{3E1031D2-FE52-4E00-A0E2-09615D59CF11}" destId="{9C5C6D15-E436-49B3-9CA1-A72B8A78DBCC}" srcOrd="1" destOrd="0" presId="urn:microsoft.com/office/officeart/2005/8/layout/hierarchy2"/>
-    <dgm:cxn modelId="{D63339F1-9768-4B0E-9FDB-2BBE7E5C0E8A}" type="presOf" srcId="{B9B42B06-1FAC-46D7-AACE-24ADE352D207}" destId="{6BCC8103-E0DC-4910-8427-AD36B590AC4F}" srcOrd="0" destOrd="0" presId="urn:microsoft.com/office/officeart/2005/8/layout/hierarchy2"/>
-    <dgm:cxn modelId="{B8D784FE-CEA8-4E64-BD50-3DB4484EF741}" type="presOf" srcId="{9FB3BEDE-05D8-4CA0-9193-8C125D8DDEEF}" destId="{6FF075D8-7AD5-48D5-B17D-6DB635156788}" srcOrd="0" destOrd="0" presId="urn:microsoft.com/office/officeart/2005/8/layout/hierarchy2"/>
     <dgm:cxn modelId="{913DC00D-D83B-45A8-B876-EF696020565F}" type="presParOf" srcId="{72E30172-9BCF-47B3-AAF8-905248B66111}" destId="{6E970E10-797F-467C-8425-D8DC6218389E}" srcOrd="0" destOrd="0" presId="urn:microsoft.com/office/officeart/2005/8/layout/hierarchy2"/>
     <dgm:cxn modelId="{E4547CBC-E54F-44BD-9DC9-EB3751ACB266}" type="presParOf" srcId="{6E970E10-797F-467C-8425-D8DC6218389E}" destId="{DD616A23-F4BB-47B0-87F0-50A49BEED2C4}" srcOrd="0" destOrd="0" presId="urn:microsoft.com/office/officeart/2005/8/layout/hierarchy2"/>
     <dgm:cxn modelId="{ACD2A222-220F-4C34-974C-3C78F585EFF6}" type="presParOf" srcId="{6E970E10-797F-467C-8425-D8DC6218389E}" destId="{6BC976A2-4780-417E-87D3-A3B99F88FEB4}" srcOrd="1" destOrd="0" presId="urn:microsoft.com/office/officeart/2005/8/layout/hierarchy2"/>
@@ -2505,7 +2373,7 @@
         </a:bodyPr>
         <a:lstStyle/>
         <a:p>
-          <a:pPr lvl="0" algn="ctr" defTabSz="666750" latinLnBrk="1">
+          <a:pPr marL="0" lvl="0" indent="0" algn="ctr" defTabSz="666750" latinLnBrk="1">
             <a:lnSpc>
               <a:spcPct val="90000"/>
             </a:lnSpc>
@@ -2515,6 +2383,7 @@
             <a:spcAft>
               <a:spcPct val="35000"/>
             </a:spcAft>
+            <a:buNone/>
           </a:pPr>
           <a:r>
             <a:rPr lang="ko-KR" altLang="en-US" sz="1500" kern="1200" dirty="0"/>
@@ -2587,7 +2456,7 @@
         </a:bodyPr>
         <a:lstStyle/>
         <a:p>
-          <a:pPr lvl="0" algn="ctr" defTabSz="222250" latinLnBrk="1">
+          <a:pPr marL="0" lvl="0" indent="0" algn="ctr" defTabSz="222250" latinLnBrk="1">
             <a:lnSpc>
               <a:spcPct val="90000"/>
             </a:lnSpc>
@@ -2597,6 +2466,7 @@
             <a:spcAft>
               <a:spcPct val="35000"/>
             </a:spcAft>
+            <a:buNone/>
           </a:pPr>
           <a:endParaRPr lang="ko-KR" altLang="en-US" sz="500" kern="1200"/>
         </a:p>
@@ -2663,7 +2533,7 @@
         </a:bodyPr>
         <a:lstStyle/>
         <a:p>
-          <a:pPr lvl="0" algn="ctr" defTabSz="666750" latinLnBrk="1">
+          <a:pPr marL="0" lvl="0" indent="0" algn="ctr" defTabSz="666750" latinLnBrk="1">
             <a:lnSpc>
               <a:spcPct val="90000"/>
             </a:lnSpc>
@@ -2673,6 +2543,7 @@
             <a:spcAft>
               <a:spcPct val="35000"/>
             </a:spcAft>
+            <a:buNone/>
           </a:pPr>
           <a:r>
             <a:rPr lang="ko-KR" altLang="en-US" sz="1500" kern="1200" dirty="0"/>
@@ -2745,7 +2616,7 @@
         </a:bodyPr>
         <a:lstStyle/>
         <a:p>
-          <a:pPr lvl="0" algn="ctr" defTabSz="222250" latinLnBrk="1">
+          <a:pPr marL="0" lvl="0" indent="0" algn="ctr" defTabSz="222250" latinLnBrk="1">
             <a:lnSpc>
               <a:spcPct val="90000"/>
             </a:lnSpc>
@@ -2755,6 +2626,7 @@
             <a:spcAft>
               <a:spcPct val="35000"/>
             </a:spcAft>
+            <a:buNone/>
           </a:pPr>
           <a:endParaRPr lang="ko-KR" altLang="en-US" sz="500" kern="1200"/>
         </a:p>
@@ -2821,7 +2693,7 @@
         </a:bodyPr>
         <a:lstStyle/>
         <a:p>
-          <a:pPr lvl="0" algn="ctr" defTabSz="666750" latinLnBrk="1">
+          <a:pPr marL="0" lvl="0" indent="0" algn="ctr" defTabSz="666750" latinLnBrk="1">
             <a:lnSpc>
               <a:spcPct val="90000"/>
             </a:lnSpc>
@@ -2831,6 +2703,7 @@
             <a:spcAft>
               <a:spcPct val="35000"/>
             </a:spcAft>
+            <a:buNone/>
           </a:pPr>
           <a:r>
             <a:rPr lang="ko-KR" altLang="en-US" sz="1500" kern="1200" dirty="0"/>
@@ -2941,7 +2814,7 @@
         </a:bodyPr>
         <a:lstStyle/>
         <a:p>
-          <a:pPr lvl="0" algn="ctr" defTabSz="222250" latinLnBrk="1">
+          <a:pPr marL="0" lvl="0" indent="0" algn="ctr" defTabSz="222250" latinLnBrk="1">
             <a:lnSpc>
               <a:spcPct val="90000"/>
             </a:lnSpc>
@@ -2951,6 +2824,7 @@
             <a:spcAft>
               <a:spcPct val="35000"/>
             </a:spcAft>
+            <a:buNone/>
           </a:pPr>
           <a:endParaRPr lang="ko-KR" altLang="en-US" sz="500" kern="1200"/>
         </a:p>
@@ -3017,7 +2891,7 @@
         </a:bodyPr>
         <a:lstStyle/>
         <a:p>
-          <a:pPr lvl="0" algn="ctr" defTabSz="666750" latinLnBrk="1">
+          <a:pPr marL="0" lvl="0" indent="0" algn="ctr" defTabSz="666750" latinLnBrk="1">
             <a:lnSpc>
               <a:spcPct val="90000"/>
             </a:lnSpc>
@@ -3027,6 +2901,7 @@
             <a:spcAft>
               <a:spcPct val="35000"/>
             </a:spcAft>
+            <a:buNone/>
           </a:pPr>
           <a:r>
             <a:rPr lang="ko-KR" altLang="en-US" sz="1500" kern="1200" dirty="0"/>
@@ -3132,7 +3007,7 @@
         </a:bodyPr>
         <a:lstStyle/>
         <a:p>
-          <a:pPr lvl="0" algn="ctr" defTabSz="222250" latinLnBrk="1">
+          <a:pPr marL="0" lvl="0" indent="0" algn="ctr" defTabSz="222250" latinLnBrk="1">
             <a:lnSpc>
               <a:spcPct val="90000"/>
             </a:lnSpc>
@@ -3142,6 +3017,7 @@
             <a:spcAft>
               <a:spcPct val="35000"/>
             </a:spcAft>
+            <a:buNone/>
           </a:pPr>
           <a:endParaRPr lang="ko-KR" altLang="en-US" sz="500" kern="1200"/>
         </a:p>
@@ -3208,7 +3084,7 @@
         </a:bodyPr>
         <a:lstStyle/>
         <a:p>
-          <a:pPr lvl="0" algn="ctr" defTabSz="666750" latinLnBrk="1">
+          <a:pPr marL="0" lvl="0" indent="0" algn="ctr" defTabSz="666750" latinLnBrk="1">
             <a:lnSpc>
               <a:spcPct val="90000"/>
             </a:lnSpc>
@@ -3218,6 +3094,7 @@
             <a:spcAft>
               <a:spcPct val="35000"/>
             </a:spcAft>
+            <a:buNone/>
           </a:pPr>
           <a:r>
             <a:rPr lang="ko-KR" altLang="en-US" sz="1500" kern="1200" dirty="0"/>
@@ -3290,7 +3167,7 @@
         </a:bodyPr>
         <a:lstStyle/>
         <a:p>
-          <a:pPr lvl="0" algn="ctr" defTabSz="222250" latinLnBrk="1">
+          <a:pPr marL="0" lvl="0" indent="0" algn="ctr" defTabSz="222250" latinLnBrk="1">
             <a:lnSpc>
               <a:spcPct val="90000"/>
             </a:lnSpc>
@@ -3300,6 +3177,7 @@
             <a:spcAft>
               <a:spcPct val="35000"/>
             </a:spcAft>
+            <a:buNone/>
           </a:pPr>
           <a:endParaRPr lang="ko-KR" altLang="en-US" sz="500" kern="1200"/>
         </a:p>
@@ -3366,7 +3244,7 @@
         </a:bodyPr>
         <a:lstStyle/>
         <a:p>
-          <a:pPr lvl="0" algn="ctr" defTabSz="666750" latinLnBrk="1">
+          <a:pPr marL="0" lvl="0" indent="0" algn="ctr" defTabSz="666750" latinLnBrk="1">
             <a:lnSpc>
               <a:spcPct val="90000"/>
             </a:lnSpc>
@@ -3376,6 +3254,7 @@
             <a:spcAft>
               <a:spcPct val="35000"/>
             </a:spcAft>
+            <a:buNone/>
           </a:pPr>
           <a14:m xmlns:a14="http://schemas.microsoft.com/office/drawing/2010/main">
             <m:oMathPara xmlns:m="http://schemas.openxmlformats.org/officeDocument/2006/math">
@@ -5050,7 +4929,7 @@
             <a:fld id="{7B221F05-95D6-498D-BA88-FF003B5FB826}" type="datetimeFigureOut">
               <a:rPr lang="ko-KR" altLang="en-US" smtClean="0"/>
               <a:pPr/>
-              <a:t>2017-02-25</a:t>
+              <a:t>2017-05-17</a:t>
             </a:fld>
             <a:endParaRPr lang="ko-KR" altLang="en-US"/>
           </a:p>
@@ -5506,7 +5385,7 @@
             <a:fld id="{19FB1216-F83B-4868-805E-72F7E9D253FB}" type="datetimeFigureOut">
               <a:rPr lang="ko-KR" altLang="en-US" smtClean="0"/>
               <a:pPr/>
-              <a:t>2017-02-25</a:t>
+              <a:t>2017-05-17</a:t>
             </a:fld>
             <a:endParaRPr lang="ko-KR" altLang="en-US"/>
           </a:p>
@@ -5722,7 +5601,7 @@
             <a:fld id="{19FB1216-F83B-4868-805E-72F7E9D253FB}" type="datetimeFigureOut">
               <a:rPr lang="ko-KR" altLang="en-US" smtClean="0"/>
               <a:pPr/>
-              <a:t>2017-02-25</a:t>
+              <a:t>2017-05-17</a:t>
             </a:fld>
             <a:endParaRPr lang="ko-KR" altLang="en-US"/>
           </a:p>
@@ -5969,7 +5848,7 @@
             <a:fld id="{19FB1216-F83B-4868-805E-72F7E9D253FB}" type="datetimeFigureOut">
               <a:rPr lang="ko-KR" altLang="en-US" smtClean="0"/>
               <a:pPr/>
-              <a:t>2017-02-25</a:t>
+              <a:t>2017-05-17</a:t>
             </a:fld>
             <a:endParaRPr lang="ko-KR" altLang="en-US"/>
           </a:p>
@@ -12709,8 +12588,8 @@
           </a:p>
         </p:txBody>
       </p:sp>
-      <mc:AlternateContent xmlns:mc="http://schemas.openxmlformats.org/markup-compatibility/2006" xmlns:a14="http://schemas.microsoft.com/office/drawing/2010/main">
-        <mc:Choice Requires="a14">
+      <mc:AlternateContent xmlns:mc="http://schemas.openxmlformats.org/markup-compatibility/2006">
+        <mc:Choice xmlns:a14="http://schemas.microsoft.com/office/drawing/2010/main" Requires="a14">
           <p:sp>
             <p:nvSpPr>
               <p:cNvPr id="3" name="내용 개체 틀 2"/>
@@ -12727,7 +12606,7 @@
               <a:lstStyle/>
               <a:p>
                 <a:r>
-                  <a:rPr lang="ko-KR" altLang="en-US" dirty="0" smtClean="0"/>
+                  <a:rPr lang="ko-KR" altLang="en-US" dirty="0"/>
                   <a:t>확산 방정식</a:t>
                 </a:r>
                 <a:endParaRPr lang="en-US" altLang="ko-KR" dirty="0"/>
@@ -13039,7 +12918,7 @@
                     </m:oMath>
                   </m:oMathPara>
                 </a14:m>
-                <a:endParaRPr lang="en-US" altLang="ko-KR" sz="1200" b="0" i="1" dirty="0" smtClean="0">
+                <a:endParaRPr lang="en-US" altLang="ko-KR" sz="1200" b="0" i="1" dirty="0">
                   <a:latin typeface="Cambria Math" panose="02040503050406030204" pitchFamily="18" charset="0"/>
                 </a:endParaRPr>
               </a:p>
@@ -13047,7 +12926,7 @@
                 <a:pPr marL="0" indent="0">
                   <a:buNone/>
                 </a:pPr>
-                <a:endParaRPr lang="en-US" altLang="ko-KR" sz="1200" b="0" i="1" dirty="0" smtClean="0">
+                <a:endParaRPr lang="en-US" altLang="ko-KR" sz="1200" b="0" i="1" dirty="0">
                   <a:latin typeface="Cambria Math" panose="02040503050406030204" pitchFamily="18" charset="0"/>
                 </a:endParaRPr>
               </a:p>
@@ -13701,10 +13580,10 @@
                             <m:t>𝛥</m:t>
                           </m:r>
                           <m:r>
-                            <a:rPr lang="en-US" altLang="ko-KR" sz="1200" i="1">
+                            <a:rPr lang="en-US" altLang="ko-KR" sz="1200" b="0" i="1" smtClean="0">
                               <a:latin typeface="Cambria Math" panose="02040503050406030204" pitchFamily="18" charset="0"/>
                             </a:rPr>
-                            <m:t>𝑢</m:t>
+                            <m:t>𝑡</m:t>
                           </m:r>
                         </m:num>
                         <m:den>
@@ -13999,7 +13878,7 @@
             </p:txBody>
           </p:sp>
         </mc:Choice>
-        <mc:Fallback xmlns="">
+        <mc:Fallback>
           <p:sp>
             <p:nvSpPr>
               <p:cNvPr id="3" name="내용 개체 틀 2"/>
@@ -14185,7 +14064,7 @@
                   </m:oMath>
                 </a14:m>
                 <a:r>
-                  <a:rPr lang="en-US" altLang="ko-KR" sz="1200" dirty="0" smtClean="0"/>
+                  <a:rPr lang="en-US" altLang="ko-KR" sz="1200" dirty="0"/>
                   <a:t>Forward Time)</a:t>
                 </a:r>
                 <a:endParaRPr lang="ko-KR" altLang="en-US" sz="1200" dirty="0"/>
@@ -14286,7 +14165,7 @@
                   </m:oMath>
                 </a14:m>
                 <a:r>
-                  <a:rPr lang="en-US" altLang="ko-KR" sz="1200" dirty="0" smtClean="0"/>
+                  <a:rPr lang="en-US" altLang="ko-KR" sz="1200" dirty="0"/>
                   <a:t>Central Space)</a:t>
                 </a:r>
                 <a:endParaRPr lang="ko-KR" altLang="en-US" sz="1200" dirty="0"/>
@@ -14389,8 +14268,8 @@
           </a:p>
         </p:txBody>
       </p:sp>
-      <mc:AlternateContent xmlns:mc="http://schemas.openxmlformats.org/markup-compatibility/2006">
-        <mc:Choice xmlns:a14="http://schemas.microsoft.com/office/drawing/2010/main" Requires="a14">
+      <mc:AlternateContent xmlns:mc="http://schemas.openxmlformats.org/markup-compatibility/2006" xmlns:a14="http://schemas.microsoft.com/office/drawing/2010/main">
+        <mc:Choice Requires="a14">
           <p:sp>
             <p:nvSpPr>
               <p:cNvPr id="3" name="내용 개체 틀 2"/>
@@ -14444,11 +14323,7 @@
                 </a:r>
                 <a:r>
                   <a:rPr lang="ko-KR" altLang="en-US" dirty="0"/>
-                  <a:t> 어떤 종류의 편미분방정식인지 </a:t>
-                </a:r>
-                <a:r>
-                  <a:rPr lang="ko-KR" altLang="en-US" dirty="0" smtClean="0"/>
-                  <a:t>조사할 것</a:t>
+                  <a:t> 어떤 종류의 편미분방정식인지 조사할 것</a:t>
                 </a:r>
                 <a:endParaRPr lang="en-US" altLang="ko-KR" dirty="0"/>
               </a:p>
@@ -14462,14 +14337,10 @@
                 </a:r>
                 <a:r>
                   <a:rPr lang="ko-KR" altLang="en-US" dirty="0"/>
-                  <a:t> </a:t>
+                  <a:t> 방정식</a:t>
                 </a:r>
                 <a:r>
-                  <a:rPr lang="ko-KR" altLang="en-US" dirty="0" smtClean="0"/>
-                  <a:t>방정식</a:t>
-                </a:r>
-                <a:r>
-                  <a:rPr lang="en-US" altLang="ko-KR" dirty="0" smtClean="0"/>
+                  <a:rPr lang="en-US" altLang="ko-KR" dirty="0"/>
                   <a:t>, </a:t>
                 </a:r>
                 <a14:m>
@@ -14639,16 +14510,8 @@
                   </m:oMath>
                 </a14:m>
                 <a:r>
-                  <a:rPr lang="ko-KR" altLang="en-US" dirty="0" smtClean="0"/>
-                  <a:t>을 </a:t>
-                </a:r>
-                <a:r>
                   <a:rPr lang="ko-KR" altLang="en-US" dirty="0"/>
-                  <a:t>중앙차분으로 </a:t>
-                </a:r>
-                <a:r>
-                  <a:rPr lang="ko-KR" altLang="en-US" dirty="0" smtClean="0"/>
-                  <a:t>차분할 것</a:t>
+                  <a:t>을 중앙차분으로 차분할 것</a:t>
                 </a:r>
                 <a:endParaRPr lang="en-US" altLang="ko-KR" dirty="0"/>
               </a:p>
@@ -14690,11 +14553,11 @@
               </a:p>
               <a:p>
                 <a:r>
-                  <a:rPr lang="ko-KR" altLang="en-US" dirty="0" err="1" smtClean="0"/>
+                  <a:rPr lang="ko-KR" altLang="en-US" dirty="0" err="1"/>
                   <a:t>파동방정식</a:t>
                 </a:r>
                 <a:r>
-                  <a:rPr lang="en-US" altLang="ko-KR" dirty="0" smtClean="0"/>
+                  <a:rPr lang="en-US" altLang="ko-KR" dirty="0"/>
                   <a:t>, </a:t>
                 </a:r>
                 <a14:m>
@@ -14788,7 +14651,7 @@
                   </m:oMath>
                 </a14:m>
                 <a:r>
-                  <a:rPr lang="ko-KR" altLang="en-US" dirty="0" smtClean="0"/>
+                  <a:rPr lang="ko-KR" altLang="en-US" dirty="0"/>
                   <a:t>을 </a:t>
                 </a:r>
                 <a:r>
@@ -14800,7 +14663,7 @@
                   <a:t>로 </a:t>
                 </a:r>
                 <a:r>
-                  <a:rPr lang="ko-KR" altLang="en-US" smtClean="0"/>
+                  <a:rPr lang="ko-KR" altLang="en-US"/>
                   <a:t>차분할 것</a:t>
                 </a:r>
                 <a:endParaRPr lang="en-US" altLang="ko-KR" dirty="0"/>
@@ -14833,7 +14696,7 @@
             </p:txBody>
           </p:sp>
         </mc:Choice>
-        <mc:Fallback>
+        <mc:Fallback xmlns="">
           <p:sp>
             <p:nvSpPr>
               <p:cNvPr id="3" name="내용 개체 틀 2"/>
